--- a/THUYẾT TRÌNH  ĐỒ ÁN.pptx
+++ b/THUYẾT TRÌNH  ĐỒ ÁN.pptx
@@ -861,7 +861,7 @@
           <a:p>
             <a:fld id="{4A913DAF-7AB9-4F65-BED1-2EA19C49B8E8}" type="datetimeFigureOut">
               <a:rPr lang="en-US" smtClean="0"/>
-              <a:t>11/25/2018</a:t>
+              <a:t>11/26/2018</a:t>
             </a:fld>
             <a:endParaRPr lang="en-US"/>
           </a:p>
@@ -1112,7 +1112,7 @@
           <a:p>
             <a:fld id="{4A913DAF-7AB9-4F65-BED1-2EA19C49B8E8}" type="datetimeFigureOut">
               <a:rPr lang="en-US" smtClean="0"/>
-              <a:t>11/25/2018</a:t>
+              <a:t>11/26/2018</a:t>
             </a:fld>
             <a:endParaRPr lang="en-US"/>
           </a:p>
@@ -1426,7 +1426,7 @@
           <a:p>
             <a:fld id="{4A913DAF-7AB9-4F65-BED1-2EA19C49B8E8}" type="datetimeFigureOut">
               <a:rPr lang="en-US" smtClean="0"/>
-              <a:t>11/25/2018</a:t>
+              <a:t>11/26/2018</a:t>
             </a:fld>
             <a:endParaRPr lang="en-US"/>
           </a:p>
@@ -1767,7 +1767,7 @@
           <a:p>
             <a:fld id="{4A913DAF-7AB9-4F65-BED1-2EA19C49B8E8}" type="datetimeFigureOut">
               <a:rPr lang="en-US" smtClean="0"/>
-              <a:t>11/25/2018</a:t>
+              <a:t>11/26/2018</a:t>
             </a:fld>
             <a:endParaRPr lang="en-US"/>
           </a:p>
@@ -2081,7 +2081,7 @@
           <a:p>
             <a:fld id="{4A913DAF-7AB9-4F65-BED1-2EA19C49B8E8}" type="datetimeFigureOut">
               <a:rPr lang="en-US" smtClean="0"/>
-              <a:t>11/25/2018</a:t>
+              <a:t>11/26/2018</a:t>
             </a:fld>
             <a:endParaRPr lang="en-US"/>
           </a:p>
@@ -2474,7 +2474,7 @@
           <a:p>
             <a:fld id="{4A913DAF-7AB9-4F65-BED1-2EA19C49B8E8}" type="datetimeFigureOut">
               <a:rPr lang="en-US" smtClean="0"/>
-              <a:t>11/25/2018</a:t>
+              <a:t>11/26/2018</a:t>
             </a:fld>
             <a:endParaRPr lang="en-US"/>
           </a:p>
@@ -2644,7 +2644,7 @@
           <a:p>
             <a:fld id="{4A913DAF-7AB9-4F65-BED1-2EA19C49B8E8}" type="datetimeFigureOut">
               <a:rPr lang="en-US" smtClean="0"/>
-              <a:t>11/25/2018</a:t>
+              <a:t>11/26/2018</a:t>
             </a:fld>
             <a:endParaRPr lang="en-US"/>
           </a:p>
@@ -2824,7 +2824,7 @@
           <a:p>
             <a:fld id="{4A913DAF-7AB9-4F65-BED1-2EA19C49B8E8}" type="datetimeFigureOut">
               <a:rPr lang="en-US" smtClean="0"/>
-              <a:t>11/25/2018</a:t>
+              <a:t>11/26/2018</a:t>
             </a:fld>
             <a:endParaRPr lang="en-US"/>
           </a:p>
@@ -3000,7 +3000,7 @@
           <a:p>
             <a:fld id="{4A913DAF-7AB9-4F65-BED1-2EA19C49B8E8}" type="datetimeFigureOut">
               <a:rPr lang="en-US" smtClean="0"/>
-              <a:t>11/25/2018</a:t>
+              <a:t>11/26/2018</a:t>
             </a:fld>
             <a:endParaRPr lang="en-US"/>
           </a:p>
@@ -3247,7 +3247,7 @@
           <a:p>
             <a:fld id="{4A913DAF-7AB9-4F65-BED1-2EA19C49B8E8}" type="datetimeFigureOut">
               <a:rPr lang="en-US" smtClean="0"/>
-              <a:t>11/25/2018</a:t>
+              <a:t>11/26/2018</a:t>
             </a:fld>
             <a:endParaRPr lang="en-US"/>
           </a:p>
@@ -3479,7 +3479,7 @@
           <a:p>
             <a:fld id="{4A913DAF-7AB9-4F65-BED1-2EA19C49B8E8}" type="datetimeFigureOut">
               <a:rPr lang="en-US" smtClean="0"/>
-              <a:t>11/25/2018</a:t>
+              <a:t>11/26/2018</a:t>
             </a:fld>
             <a:endParaRPr lang="en-US"/>
           </a:p>
@@ -3853,7 +3853,7 @@
           <a:p>
             <a:fld id="{4A913DAF-7AB9-4F65-BED1-2EA19C49B8E8}" type="datetimeFigureOut">
               <a:rPr lang="en-US" smtClean="0"/>
-              <a:t>11/25/2018</a:t>
+              <a:t>11/26/2018</a:t>
             </a:fld>
             <a:endParaRPr lang="en-US"/>
           </a:p>
@@ -3976,7 +3976,7 @@
           <a:p>
             <a:fld id="{4A913DAF-7AB9-4F65-BED1-2EA19C49B8E8}" type="datetimeFigureOut">
               <a:rPr lang="en-US" smtClean="0"/>
-              <a:t>11/25/2018</a:t>
+              <a:t>11/26/2018</a:t>
             </a:fld>
             <a:endParaRPr lang="en-US"/>
           </a:p>
@@ -4071,7 +4071,7 @@
           <a:p>
             <a:fld id="{4A913DAF-7AB9-4F65-BED1-2EA19C49B8E8}" type="datetimeFigureOut">
               <a:rPr lang="en-US" smtClean="0"/>
-              <a:t>11/25/2018</a:t>
+              <a:t>11/26/2018</a:t>
             </a:fld>
             <a:endParaRPr lang="en-US"/>
           </a:p>
@@ -4326,7 +4326,7 @@
           <a:p>
             <a:fld id="{4A913DAF-7AB9-4F65-BED1-2EA19C49B8E8}" type="datetimeFigureOut">
               <a:rPr lang="en-US" smtClean="0"/>
-              <a:t>11/25/2018</a:t>
+              <a:t>11/26/2018</a:t>
             </a:fld>
             <a:endParaRPr lang="en-US"/>
           </a:p>
@@ -4589,7 +4589,7 @@
           <a:p>
             <a:fld id="{4A913DAF-7AB9-4F65-BED1-2EA19C49B8E8}" type="datetimeFigureOut">
               <a:rPr lang="en-US" smtClean="0"/>
-              <a:t>11/25/2018</a:t>
+              <a:t>11/26/2018</a:t>
             </a:fld>
             <a:endParaRPr lang="en-US"/>
           </a:p>
@@ -5332,7 +5332,7 @@
           <a:p>
             <a:fld id="{4A913DAF-7AB9-4F65-BED1-2EA19C49B8E8}" type="datetimeFigureOut">
               <a:rPr lang="en-US" smtClean="0"/>
-              <a:t>11/25/2018</a:t>
+              <a:t>11/26/2018</a:t>
             </a:fld>
             <a:endParaRPr lang="en-US"/>
           </a:p>
@@ -11655,31 +11655,42 @@
           </a:p>
         </p:txBody>
       </p:sp>
-      <p:sp>
-        <p:nvSpPr>
-          <p:cNvPr id="3" name="Content Placeholder 2">
+      <p:pic>
+        <p:nvPicPr>
+          <p:cNvPr id="4" name="bandicam 2018-11-26 14-31-11-293">
+            <a:hlinkClick r:id="" action="ppaction://media"/>
             <a:extLst>
               <a:ext uri="{FF2B5EF4-FFF2-40B4-BE49-F238E27FC236}">
-                <a16:creationId xmlns:a16="http://schemas.microsoft.com/office/drawing/2014/main" id="{3B4DCC95-E9D9-4E68-94D5-36CF8C946205}"/>
+                <a16:creationId xmlns:a16="http://schemas.microsoft.com/office/drawing/2014/main" id="{2B198EA2-2E17-48C9-8A5F-0BD85491E7C4}"/>
               </a:ext>
             </a:extLst>
           </p:cNvPr>
-          <p:cNvSpPr>
-            <a:spLocks noGrp="1"/>
-          </p:cNvSpPr>
+          <p:cNvPicPr>
+            <a:picLocks noGrp="1" noChangeAspect="1"/>
+          </p:cNvPicPr>
           <p:nvPr>
             <p:ph idx="1"/>
+            <a:videoFile r:link="rId2"/>
+            <p:extLst>
+              <p:ext uri="{DAA4B4D4-6D71-4841-9C94-3DE7FCFB9230}">
+                <p14:media xmlns:p14="http://schemas.microsoft.com/office/powerpoint/2010/main" r:embed="rId1"/>
+              </p:ext>
+            </p:extLst>
           </p:nvPr>
-        </p:nvSpPr>
-        <p:spPr/>
-        <p:txBody>
-          <a:bodyPr/>
-          <a:lstStyle/>
-          <a:p>
-            <a:endParaRPr lang="en-US" dirty="0"/>
-          </a:p>
-        </p:txBody>
-      </p:sp>
+        </p:nvPicPr>
+        <p:blipFill>
+          <a:blip r:embed="rId4"/>
+          <a:stretch>
+            <a:fillRect/>
+          </a:stretch>
+        </p:blipFill>
+        <p:spPr>
+          <a:xfrm>
+            <a:off x="783754" y="1269999"/>
+            <a:ext cx="6892953" cy="5489663"/>
+          </a:xfrm>
+        </p:spPr>
+      </p:pic>
     </p:spTree>
     <p:extLst>
       <p:ext uri="{BB962C8B-B14F-4D97-AF65-F5344CB8AC3E}">
@@ -11751,6 +11762,41 @@
                       </p:childTnLst>
                     </p:cTn>
                   </p:par>
+                  <p:par>
+                    <p:cTn id="8" fill="hold">
+                      <p:stCondLst>
+                        <p:cond delay="indefinite"/>
+                      </p:stCondLst>
+                      <p:childTnLst>
+                        <p:par>
+                          <p:cTn id="9" fill="hold">
+                            <p:stCondLst>
+                              <p:cond delay="0"/>
+                            </p:stCondLst>
+                            <p:childTnLst>
+                              <p:par>
+                                <p:cTn id="10" presetID="1" presetClass="mediacall" presetSubtype="0" fill="hold" nodeType="clickEffect">
+                                  <p:stCondLst>
+                                    <p:cond delay="0"/>
+                                  </p:stCondLst>
+                                  <p:childTnLst>
+                                    <p:cmd type="call" cmd="playFrom(0.0)">
+                                      <p:cBhvr>
+                                        <p:cTn id="11" dur="32703" fill="hold"/>
+                                        <p:tgtEl>
+                                          <p:spTgt spid="4"/>
+                                        </p:tgtEl>
+                                      </p:cBhvr>
+                                    </p:cmd>
+                                  </p:childTnLst>
+                                </p:cTn>
+                              </p:par>
+                            </p:childTnLst>
+                          </p:cTn>
+                        </p:par>
+                      </p:childTnLst>
+                    </p:cTn>
+                  </p:par>
                 </p:childTnLst>
               </p:cTn>
               <p:prevCondLst>
@@ -11764,6 +11810,76 @@
                 <p:cond evt="onNext" delay="0">
                   <p:tgtEl>
                     <p:sldTgt/>
+                  </p:tgtEl>
+                </p:cond>
+              </p:nextCondLst>
+            </p:seq>
+            <p:video>
+              <p:cMediaNode vol="80000">
+                <p:cTn id="12" fill="hold" display="0">
+                  <p:stCondLst>
+                    <p:cond delay="indefinite"/>
+                  </p:stCondLst>
+                </p:cTn>
+                <p:tgtEl>
+                  <p:spTgt spid="4"/>
+                </p:tgtEl>
+              </p:cMediaNode>
+            </p:video>
+            <p:seq concurrent="1" nextAc="seek">
+              <p:cTn id="13" restart="whenNotActive" fill="hold" evtFilter="cancelBubble" nodeType="interactiveSeq">
+                <p:stCondLst>
+                  <p:cond evt="onClick" delay="0">
+                    <p:tgtEl>
+                      <p:spTgt spid="4"/>
+                    </p:tgtEl>
+                  </p:cond>
+                </p:stCondLst>
+                <p:endSync evt="end" delay="0">
+                  <p:rtn val="all"/>
+                </p:endSync>
+                <p:childTnLst>
+                  <p:par>
+                    <p:cTn id="14" fill="hold">
+                      <p:stCondLst>
+                        <p:cond delay="0"/>
+                      </p:stCondLst>
+                      <p:childTnLst>
+                        <p:par>
+                          <p:cTn id="15" fill="hold">
+                            <p:stCondLst>
+                              <p:cond delay="0"/>
+                            </p:stCondLst>
+                            <p:childTnLst>
+                              <p:par>
+                                <p:cTn id="16" presetID="2" presetClass="mediacall" presetSubtype="0" fill="hold" nodeType="clickEffect">
+                                  <p:stCondLst>
+                                    <p:cond delay="0"/>
+                                  </p:stCondLst>
+                                  <p:childTnLst>
+                                    <p:cmd type="call" cmd="togglePause">
+                                      <p:cBhvr>
+                                        <p:cTn id="17" dur="1" fill="hold"/>
+                                        <p:tgtEl>
+                                          <p:spTgt spid="4"/>
+                                        </p:tgtEl>
+                                      </p:cBhvr>
+                                    </p:cmd>
+                                  </p:childTnLst>
+                                </p:cTn>
+                              </p:par>
+                            </p:childTnLst>
+                          </p:cTn>
+                        </p:par>
+                      </p:childTnLst>
+                    </p:cTn>
+                  </p:par>
+                </p:childTnLst>
+              </p:cTn>
+              <p:nextCondLst>
+                <p:cond evt="onClick" delay="0">
+                  <p:tgtEl>
+                    <p:spTgt spid="4"/>
                   </p:tgtEl>
                 </p:cond>
               </p:nextCondLst>
@@ -16899,13 +17015,13 @@
   <p:clrMapOvr>
     <a:masterClrMapping/>
   </p:clrMapOvr>
-  <mc:AlternateContent xmlns:mc="http://schemas.openxmlformats.org/markup-compatibility/2006">
-    <mc:Choice xmlns:p15="http://schemas.microsoft.com/office/powerpoint/2012/main" Requires="p15">
+  <mc:AlternateContent xmlns:mc="http://schemas.openxmlformats.org/markup-compatibility/2006" xmlns:p15="http://schemas.microsoft.com/office/powerpoint/2012/main">
+    <mc:Choice Requires="p15">
       <p:transition xmlns:p14="http://schemas.microsoft.com/office/powerpoint/2010/main" spd="slow" p14:dur="2000">
         <p15:prstTrans prst="crush"/>
       </p:transition>
     </mc:Choice>
-    <mc:Fallback>
+    <mc:Fallback xmlns="">
       <p:transition spd="slow">
         <p:fade/>
       </p:transition>
@@ -24741,13 +24857,13 @@
   <p:clrMapOvr>
     <a:masterClrMapping/>
   </p:clrMapOvr>
-  <mc:AlternateContent xmlns:mc="http://schemas.openxmlformats.org/markup-compatibility/2006">
-    <mc:Choice xmlns:p14="http://schemas.microsoft.com/office/powerpoint/2010/main" Requires="p14">
+  <mc:AlternateContent xmlns:mc="http://schemas.openxmlformats.org/markup-compatibility/2006" xmlns:p14="http://schemas.microsoft.com/office/powerpoint/2010/main">
+    <mc:Choice Requires="p14">
       <p:transition spd="slow" p14:dur="800">
         <p:circle/>
       </p:transition>
     </mc:Choice>
-    <mc:Fallback>
+    <mc:Fallback xmlns="">
       <p:transition spd="slow">
         <p:circle/>
       </p:transition>
